--- a/46遵行主話.pptx
+++ b/46遵行主話.pptx
@@ -7,10 +7,11 @@
   <p:sldIdLst>
     <p:sldId id="256" r:id="rId2"/>
     <p:sldId id="257" r:id="rId3"/>
-    <p:sldId id="263" r:id="rId4"/>
+    <p:sldId id="258" r:id="rId4"/>
     <p:sldId id="259" r:id="rId5"/>
     <p:sldId id="260" r:id="rId6"/>
     <p:sldId id="261" r:id="rId7"/>
+    <p:sldId id="262" r:id="rId8"/>
   </p:sldIdLst>
   <p:sldSz cx="9144000" cy="5143500" type="screen16x9"/>
   <p:notesSz cx="6858000" cy="9144000"/>
@@ -109,6 +110,22 @@
       </a:defRPr>
     </a:lvl9pPr>
   </p:defaultTextStyle>
+  <p:extLst>
+    <p:ext uri="{EFAFB233-063F-42B5-8137-9DF3F51BA10A}">
+      <p15:sldGuideLst xmlns:p15="http://schemas.microsoft.com/office/powerpoint/2012/main">
+        <p15:guide id="1" orient="horz" pos="1620">
+          <p15:clr>
+            <a:srgbClr val="A4A3A4"/>
+          </p15:clr>
+        </p15:guide>
+        <p15:guide id="2" pos="2880">
+          <p15:clr>
+            <a:srgbClr val="A4A3A4"/>
+          </p15:clr>
+        </p15:guide>
+      </p15:sldGuideLst>
+    </p:ext>
+  </p:extLst>
 </p:presentation>
 </file>
 
@@ -294,7 +311,7 @@
             <a:fld id="{86B5546F-C09B-4E63-ABC5-F7C86A7E8D66}" type="datetimeFigureOut">
               <a:rPr lang="en-US" smtClean="0"/>
               <a:pPr/>
-              <a:t>8/3/2019</a:t>
+              <a:t>2/1/2020</a:t>
             </a:fld>
             <a:endParaRPr lang="en-US"/>
           </a:p>
@@ -461,7 +478,7 @@
             <a:fld id="{86B5546F-C09B-4E63-ABC5-F7C86A7E8D66}" type="datetimeFigureOut">
               <a:rPr lang="en-US" smtClean="0"/>
               <a:pPr/>
-              <a:t>8/3/2019</a:t>
+              <a:t>2/1/2020</a:t>
             </a:fld>
             <a:endParaRPr lang="en-US"/>
           </a:p>
@@ -638,7 +655,7 @@
             <a:fld id="{86B5546F-C09B-4E63-ABC5-F7C86A7E8D66}" type="datetimeFigureOut">
               <a:rPr lang="en-US" smtClean="0"/>
               <a:pPr/>
-              <a:t>8/3/2019</a:t>
+              <a:t>2/1/2020</a:t>
             </a:fld>
             <a:endParaRPr lang="en-US"/>
           </a:p>
@@ -805,7 +822,7 @@
             <a:fld id="{86B5546F-C09B-4E63-ABC5-F7C86A7E8D66}" type="datetimeFigureOut">
               <a:rPr lang="en-US" smtClean="0"/>
               <a:pPr/>
-              <a:t>8/3/2019</a:t>
+              <a:t>2/1/2020</a:t>
             </a:fld>
             <a:endParaRPr lang="en-US"/>
           </a:p>
@@ -1048,7 +1065,7 @@
             <a:fld id="{86B5546F-C09B-4E63-ABC5-F7C86A7E8D66}" type="datetimeFigureOut">
               <a:rPr lang="en-US" smtClean="0"/>
               <a:pPr/>
-              <a:t>8/3/2019</a:t>
+              <a:t>2/1/2020</a:t>
             </a:fld>
             <a:endParaRPr lang="en-US"/>
           </a:p>
@@ -1333,7 +1350,7 @@
             <a:fld id="{86B5546F-C09B-4E63-ABC5-F7C86A7E8D66}" type="datetimeFigureOut">
               <a:rPr lang="en-US" smtClean="0"/>
               <a:pPr/>
-              <a:t>8/3/2019</a:t>
+              <a:t>2/1/2020</a:t>
             </a:fld>
             <a:endParaRPr lang="en-US"/>
           </a:p>
@@ -1752,7 +1769,7 @@
             <a:fld id="{86B5546F-C09B-4E63-ABC5-F7C86A7E8D66}" type="datetimeFigureOut">
               <a:rPr lang="en-US" smtClean="0"/>
               <a:pPr/>
-              <a:t>8/3/2019</a:t>
+              <a:t>2/1/2020</a:t>
             </a:fld>
             <a:endParaRPr lang="en-US"/>
           </a:p>
@@ -1867,7 +1884,7 @@
             <a:fld id="{86B5546F-C09B-4E63-ABC5-F7C86A7E8D66}" type="datetimeFigureOut">
               <a:rPr lang="en-US" smtClean="0"/>
               <a:pPr/>
-              <a:t>8/3/2019</a:t>
+              <a:t>2/1/2020</a:t>
             </a:fld>
             <a:endParaRPr lang="en-US"/>
           </a:p>
@@ -1959,7 +1976,7 @@
             <a:fld id="{86B5546F-C09B-4E63-ABC5-F7C86A7E8D66}" type="datetimeFigureOut">
               <a:rPr lang="en-US" smtClean="0"/>
               <a:pPr/>
-              <a:t>8/3/2019</a:t>
+              <a:t>2/1/2020</a:t>
             </a:fld>
             <a:endParaRPr lang="en-US"/>
           </a:p>
@@ -2233,7 +2250,7 @@
             <a:fld id="{86B5546F-C09B-4E63-ABC5-F7C86A7E8D66}" type="datetimeFigureOut">
               <a:rPr lang="en-US" smtClean="0"/>
               <a:pPr/>
-              <a:t>8/3/2019</a:t>
+              <a:t>2/1/2020</a:t>
             </a:fld>
             <a:endParaRPr lang="en-US"/>
           </a:p>
@@ -2487,7 +2504,7 @@
             <a:fld id="{86B5546F-C09B-4E63-ABC5-F7C86A7E8D66}" type="datetimeFigureOut">
               <a:rPr lang="en-US" smtClean="0"/>
               <a:pPr/>
-              <a:t>8/3/2019</a:t>
+              <a:t>2/1/2020</a:t>
             </a:fld>
             <a:endParaRPr lang="en-US"/>
           </a:p>
@@ -2702,7 +2719,7 @@
             <a:fld id="{86B5546F-C09B-4E63-ABC5-F7C86A7E8D66}" type="datetimeFigureOut">
               <a:rPr lang="en-US" smtClean="0"/>
               <a:pPr/>
-              <a:t>8/3/2019</a:t>
+              <a:t>2/1/2020</a:t>
             </a:fld>
             <a:endParaRPr lang="en-US"/>
           </a:p>
@@ -3086,18 +3103,38 @@
         <p:spPr/>
         <p:txBody>
           <a:bodyPr>
-            <a:normAutofit fontScale="90000"/>
+            <a:noAutofit/>
           </a:bodyPr>
           <a:lstStyle/>
           <a:p>
             <a:r>
-              <a:rPr lang="zh-CN" altLang="en-US" sz="8000" b="1" dirty="0" smtClean="0">
+              <a:rPr lang="zh-CN" altLang="en-US" sz="7200" b="1" dirty="0">
+                <a:solidFill>
+                  <a:srgbClr val="660033"/>
+                </a:solidFill>
+                <a:effectLst>
+                  <a:outerShdw blurRad="38100" dist="38100" dir="2700000" algn="tl">
+                    <a:srgbClr val="000000">
+                      <a:alpha val="43137"/>
+                    </a:srgbClr>
+                  </a:outerShdw>
+                </a:effectLst>
                 <a:latin typeface="微軟正黑體" pitchFamily="34" charset="-120"/>
                 <a:ea typeface="微軟正黑體" pitchFamily="34" charset="-120"/>
               </a:rPr>
               <a:t>遵行主話</a:t>
             </a:r>
-            <a:endParaRPr lang="en-US" sz="8000" b="1" dirty="0">
+            <a:endParaRPr lang="en-US" sz="7200" b="1" dirty="0">
+              <a:solidFill>
+                <a:srgbClr val="660033"/>
+              </a:solidFill>
+              <a:effectLst>
+                <a:outerShdw blurRad="38100" dist="38100" dir="2700000" algn="tl">
+                  <a:srgbClr val="000000">
+                    <a:alpha val="43137"/>
+                  </a:srgbClr>
+                </a:outerShdw>
+              </a:effectLst>
               <a:latin typeface="微軟正黑體" pitchFamily="34" charset="-120"/>
               <a:ea typeface="微軟正黑體" pitchFamily="34" charset="-120"/>
             </a:endParaRPr>
@@ -3316,6 +3353,11 @@
         </p:txBody>
       </p:sp>
     </p:spTree>
+    <p:extLst>
+      <p:ext uri="{BB962C8B-B14F-4D97-AF65-F5344CB8AC3E}">
+        <p14:creationId xmlns:p14="http://schemas.microsoft.com/office/powerpoint/2010/main" val="3996275650"/>
+      </p:ext>
+    </p:extLst>
   </p:cSld>
   <p:clrMapOvr>
     <a:masterClrMapping/>
@@ -3353,23 +3395,29 @@
         <p:spPr>
           <a:xfrm>
             <a:off x="0" y="0"/>
-            <a:ext cx="9144000" cy="5257800"/>
+            <a:ext cx="8820472" cy="5257800"/>
           </a:xfrm>
         </p:spPr>
         <p:txBody>
           <a:bodyPr>
-            <a:normAutofit lnSpcReduction="10000"/>
+            <a:normAutofit/>
           </a:bodyPr>
           <a:lstStyle/>
           <a:p>
             <a:r>
               <a:rPr lang="zh-TW" altLang="en-US" sz="4800" dirty="0" smtClean="0">
+                <a:solidFill>
+                  <a:srgbClr val="660033"/>
+                </a:solidFill>
                 <a:latin typeface="微軟正黑體" pitchFamily="34" charset="-120"/>
                 <a:ea typeface="微軟正黑體" pitchFamily="34" charset="-120"/>
               </a:rPr>
               <a:t>你們若愛我，就必遵守我的命令。</a:t>
             </a:r>
             <a:endParaRPr lang="en-US" altLang="zh-TW" sz="4800" dirty="0" smtClean="0">
+              <a:solidFill>
+                <a:srgbClr val="660033"/>
+              </a:solidFill>
               <a:latin typeface="微軟正黑體" pitchFamily="34" charset="-120"/>
               <a:ea typeface="微軟正黑體" pitchFamily="34" charset="-120"/>
             </a:endParaRPr>
@@ -3377,42 +3425,23 @@
           <a:p>
             <a:r>
               <a:rPr lang="zh-TW" altLang="en-US" sz="4800" b="1" dirty="0" smtClean="0">
+                <a:solidFill>
+                  <a:srgbClr val="660033"/>
+                </a:solidFill>
                 <a:latin typeface="微軟正黑體" pitchFamily="34" charset="-120"/>
                 <a:ea typeface="微軟正黑體" pitchFamily="34" charset="-120"/>
               </a:rPr>
-              <a:t>有了我的命令又遵守的，這人就是愛我的；愛我的必蒙我父愛他，我也要愛他，並且要向他顯現</a:t>
-            </a:r>
-            <a:r>
-              <a:rPr lang="zh-TW" altLang="en-US" sz="4800" b="1" dirty="0" smtClean="0">
-                <a:latin typeface="微軟正黑體" pitchFamily="34" charset="-120"/>
-                <a:ea typeface="微軟正黑體" pitchFamily="34" charset="-120"/>
-              </a:rPr>
-              <a:t>。</a:t>
-            </a:r>
-            <a:endParaRPr lang="en-US" altLang="zh-TW" sz="4800" b="1" dirty="0" smtClean="0">
-              <a:latin typeface="微軟正黑體" pitchFamily="34" charset="-120"/>
-              <a:ea typeface="微軟正黑體" pitchFamily="34" charset="-120"/>
-            </a:endParaRPr>
-          </a:p>
-          <a:p>
-            <a:r>
-              <a:rPr lang="zh-TW" altLang="en-US" sz="4800" dirty="0">
-                <a:latin typeface="微軟正黑體" pitchFamily="34" charset="-120"/>
-                <a:ea typeface="微軟正黑體" pitchFamily="34" charset="-120"/>
-              </a:rPr>
-              <a:t>人若愛我，就必遵守我的道；我父也必愛他，並且我們要到他那裡去，與他同住。</a:t>
-            </a:r>
-            <a:r>
-              <a:rPr lang="en-US" altLang="zh-TW" sz="6000" dirty="0">
-                <a:latin typeface="微軟正黑體" pitchFamily="34" charset="-120"/>
-                <a:ea typeface="微軟正黑體" pitchFamily="34" charset="-120"/>
-              </a:rPr>
-              <a:t> </a:t>
+              <a:t>有了我的命令又遵守的，這人就是愛我的；愛我的必蒙我父愛他，我也要愛他，並且要向他顯現。</a:t>
             </a:r>
           </a:p>
         </p:txBody>
       </p:sp>
     </p:spTree>
+    <p:extLst>
+      <p:ext uri="{BB962C8B-B14F-4D97-AF65-F5344CB8AC3E}">
+        <p14:creationId xmlns:p14="http://schemas.microsoft.com/office/powerpoint/2010/main" val="3186615082"/>
+      </p:ext>
+    </p:extLst>
   </p:cSld>
   <p:clrMapOvr>
     <a:masterClrMapping/>
@@ -3450,57 +3479,39 @@
         <p:spPr>
           <a:xfrm>
             <a:off x="0" y="0"/>
-            <a:ext cx="9144000" cy="5257800"/>
+            <a:ext cx="8820472" cy="5257800"/>
           </a:xfrm>
         </p:spPr>
         <p:txBody>
           <a:bodyPr>
-            <a:noAutofit/>
+            <a:normAutofit/>
           </a:bodyPr>
           <a:lstStyle/>
           <a:p>
             <a:r>
-              <a:rPr lang="zh-TW" altLang="en-US" sz="4800" b="1" dirty="0">
+              <a:rPr lang="zh-TW" altLang="en-US" sz="4800" dirty="0" smtClean="0">
+                <a:solidFill>
+                  <a:srgbClr val="660033"/>
+                </a:solidFill>
                 <a:latin typeface="微軟正黑體" pitchFamily="34" charset="-120"/>
                 <a:ea typeface="微軟正黑體" pitchFamily="34" charset="-120"/>
               </a:rPr>
-              <a:t>不愛我的人就不遵守我的道。你們所聽見的道不是我的，乃是差我來之父的道</a:t>
-            </a:r>
-            <a:r>
-              <a:rPr lang="zh-TW" altLang="en-US" sz="4800" b="1" dirty="0" smtClean="0">
-                <a:latin typeface="微軟正黑體" pitchFamily="34" charset="-120"/>
-                <a:ea typeface="微軟正黑體" pitchFamily="34" charset="-120"/>
-              </a:rPr>
-              <a:t>。</a:t>
-            </a:r>
-            <a:endParaRPr lang="en-US" altLang="zh-TW" sz="4800" b="1" dirty="0" smtClean="0">
-              <a:latin typeface="微軟正黑體" pitchFamily="34" charset="-120"/>
-              <a:ea typeface="微軟正黑體" pitchFamily="34" charset="-120"/>
-            </a:endParaRPr>
-          </a:p>
-          <a:p>
-            <a:r>
-              <a:rPr lang="zh-TW" altLang="en-US" sz="4800" dirty="0">
-                <a:latin typeface="微軟正黑體" pitchFamily="34" charset="-120"/>
-                <a:ea typeface="微軟正黑體" pitchFamily="34" charset="-120"/>
-              </a:rPr>
-              <a:t>所以，凡聽見我這話就去行的，好比一個聰明人，把房子蓋在磐石上；</a:t>
-            </a:r>
-            <a:r>
-              <a:rPr lang="en-US" altLang="zh-TW" sz="6000" dirty="0">
+              <a:t>人若愛我，就必遵守我的道；我父也必愛他，並且我們要到他那裡去，與他同住。</a:t>
+            </a:r>
+            <a:r>
+              <a:rPr lang="en-US" altLang="zh-TW" sz="6000" dirty="0" smtClean="0">
+                <a:solidFill>
+                  <a:srgbClr val="660033"/>
+                </a:solidFill>
                 <a:latin typeface="微軟正黑體" pitchFamily="34" charset="-120"/>
                 <a:ea typeface="微軟正黑體" pitchFamily="34" charset="-120"/>
               </a:rPr>
               <a:t> </a:t>
             </a:r>
-            <a:r>
-              <a:rPr lang="en-US" altLang="zh-TW" sz="4800" b="1" dirty="0" smtClean="0">
-                <a:latin typeface="微軟正黑體" pitchFamily="34" charset="-120"/>
-                <a:ea typeface="微軟正黑體" pitchFamily="34" charset="-120"/>
-              </a:rPr>
-              <a:t> </a:t>
-            </a:r>
-            <a:endParaRPr lang="en-US" altLang="zh-TW" sz="4800" b="1" dirty="0">
+            <a:endParaRPr lang="en-US" altLang="zh-TW" sz="6000" dirty="0">
+              <a:solidFill>
+                <a:srgbClr val="660033"/>
+              </a:solidFill>
               <a:latin typeface="微軟正黑體" pitchFamily="34" charset="-120"/>
               <a:ea typeface="微軟正黑體" pitchFamily="34" charset="-120"/>
             </a:endParaRPr>
@@ -3508,6 +3519,11 @@
         </p:txBody>
       </p:sp>
     </p:spTree>
+    <p:extLst>
+      <p:ext uri="{BB962C8B-B14F-4D97-AF65-F5344CB8AC3E}">
+        <p14:creationId xmlns:p14="http://schemas.microsoft.com/office/powerpoint/2010/main" val="2733203052"/>
+      </p:ext>
+    </p:extLst>
   </p:cSld>
   <p:clrMapOvr>
     <a:masterClrMapping/>
@@ -3545,59 +3561,78 @@
         <p:spPr>
           <a:xfrm>
             <a:off x="0" y="0"/>
-            <a:ext cx="9144000" cy="5257800"/>
+            <a:ext cx="8748464" cy="5143500"/>
           </a:xfrm>
         </p:spPr>
         <p:txBody>
           <a:bodyPr>
-            <a:normAutofit/>
+            <a:noAutofit/>
           </a:bodyPr>
           <a:lstStyle/>
           <a:p>
             <a:r>
               <a:rPr lang="zh-TW" altLang="en-US" sz="4800" b="1" dirty="0" smtClean="0">
+                <a:solidFill>
+                  <a:srgbClr val="660033"/>
+                </a:solidFill>
                 <a:latin typeface="微軟正黑體" pitchFamily="34" charset="-120"/>
                 <a:ea typeface="微軟正黑體" pitchFamily="34" charset="-120"/>
               </a:rPr>
-              <a:t>雨</a:t>
-            </a:r>
-            <a:r>
-              <a:rPr lang="zh-TW" altLang="en-US" sz="4800" b="1" dirty="0">
+              <a:t>不愛我的人就不遵守我的道。你們所聽見的道不是我的，乃是差我來之父的道。</a:t>
+            </a:r>
+            <a:endParaRPr lang="en-US" altLang="zh-TW" sz="4800" b="1" dirty="0" smtClean="0">
+              <a:solidFill>
+                <a:srgbClr val="660033"/>
+              </a:solidFill>
+              <a:latin typeface="微軟正黑體" pitchFamily="34" charset="-120"/>
+              <a:ea typeface="微軟正黑體" pitchFamily="34" charset="-120"/>
+            </a:endParaRPr>
+          </a:p>
+          <a:p>
+            <a:r>
+              <a:rPr lang="zh-TW" altLang="en-US" sz="4800" dirty="0" smtClean="0">
+                <a:solidFill>
+                  <a:srgbClr val="660033"/>
+                </a:solidFill>
                 <a:latin typeface="微軟正黑體" pitchFamily="34" charset="-120"/>
                 <a:ea typeface="微軟正黑體" pitchFamily="34" charset="-120"/>
               </a:rPr>
-              <a:t>淋，水沖，風吹，撞著那房子，房子總不倒塌，因為根基立在磐石上。</a:t>
-            </a:r>
-            <a:r>
-              <a:rPr lang="en-US" altLang="zh-TW" sz="6000" b="1" dirty="0" smtClean="0">
+              <a:t>所</a:t>
+            </a:r>
+            <a:r>
+              <a:rPr lang="zh-TW" altLang="en-US" sz="4800" dirty="0">
+                <a:solidFill>
+                  <a:srgbClr val="660033"/>
+                </a:solidFill>
+                <a:latin typeface="微軟正黑體" pitchFamily="34" charset="-120"/>
+                <a:ea typeface="微軟正黑體" pitchFamily="34" charset="-120"/>
+              </a:rPr>
+              <a:t>以，凡聽見我這話就去行的，好比一個聰明人，把房子蓋在磐石上；</a:t>
+            </a:r>
+            <a:r>
+              <a:rPr lang="en-US" altLang="zh-TW" sz="6000" dirty="0">
+                <a:solidFill>
+                  <a:srgbClr val="660033"/>
+                </a:solidFill>
                 <a:latin typeface="微軟正黑體" pitchFamily="34" charset="-120"/>
                 <a:ea typeface="微軟正黑體" pitchFamily="34" charset="-120"/>
               </a:rPr>
               <a:t> </a:t>
             </a:r>
-            <a:endParaRPr lang="en-US" altLang="zh-TW" sz="6000" b="1" dirty="0" smtClean="0">
-              <a:latin typeface="微軟正黑體" pitchFamily="34" charset="-120"/>
-              <a:ea typeface="微軟正黑體" pitchFamily="34" charset="-120"/>
-            </a:endParaRPr>
-          </a:p>
-          <a:p>
-            <a:r>
-              <a:rPr lang="zh-TW" altLang="en-US" sz="4800" dirty="0">
-                <a:latin typeface="微軟正黑體" pitchFamily="34" charset="-120"/>
-                <a:ea typeface="微軟正黑體" pitchFamily="34" charset="-120"/>
-              </a:rPr>
-              <a:t>凡聽見我這話不去行的，好比一個無知的人，把房子蓋在沙土上；</a:t>
-            </a:r>
-            <a:r>
-              <a:rPr lang="en-US" altLang="zh-TW" sz="4800" dirty="0">
+            <a:r>
+              <a:rPr lang="en-US" altLang="zh-TW" sz="4800" b="1" dirty="0" smtClean="0">
+                <a:solidFill>
+                  <a:srgbClr val="660033"/>
+                </a:solidFill>
                 <a:latin typeface="微軟正黑體" pitchFamily="34" charset="-120"/>
                 <a:ea typeface="微軟正黑體" pitchFamily="34" charset="-120"/>
               </a:rPr>
               <a:t> </a:t>
             </a:r>
-          </a:p>
-          <a:p>
-            <a:endParaRPr lang="en-US" altLang="zh-TW" sz="6000" b="1" dirty="0" smtClean="0">
+            <a:endParaRPr lang="en-US" altLang="zh-TW" sz="4800" b="1" dirty="0">
+              <a:solidFill>
+                <a:srgbClr val="660033"/>
+              </a:solidFill>
               <a:latin typeface="微軟正黑體" pitchFamily="34" charset="-120"/>
               <a:ea typeface="微軟正黑體" pitchFamily="34" charset="-120"/>
             </a:endParaRPr>
@@ -3605,6 +3640,11 @@
         </p:txBody>
       </p:sp>
     </p:spTree>
+    <p:extLst>
+      <p:ext uri="{BB962C8B-B14F-4D97-AF65-F5344CB8AC3E}">
+        <p14:creationId xmlns:p14="http://schemas.microsoft.com/office/powerpoint/2010/main" val="2262938550"/>
+      </p:ext>
+    </p:extLst>
   </p:cSld>
   <p:clrMapOvr>
     <a:masterClrMapping/>
@@ -3642,7 +3682,7 @@
         <p:spPr>
           <a:xfrm>
             <a:off x="0" y="0"/>
-            <a:ext cx="9144000" cy="5257800"/>
+            <a:ext cx="8820472" cy="5143500"/>
           </a:xfrm>
         </p:spPr>
         <p:txBody>
@@ -3653,6 +3693,9 @@
           <a:p>
             <a:r>
               <a:rPr lang="zh-TW" altLang="en-US" sz="4800" b="1" dirty="0" smtClean="0">
+                <a:solidFill>
+                  <a:srgbClr val="660033"/>
+                </a:solidFill>
                 <a:latin typeface="微軟正黑體" pitchFamily="34" charset="-120"/>
                 <a:ea typeface="微軟正黑體" pitchFamily="34" charset="-120"/>
               </a:rPr>
@@ -3660,66 +3703,55 @@
             </a:r>
             <a:r>
               <a:rPr lang="zh-TW" altLang="en-US" sz="4800" b="1" dirty="0">
+                <a:solidFill>
+                  <a:srgbClr val="660033"/>
+                </a:solidFill>
                 <a:latin typeface="微軟正黑體" pitchFamily="34" charset="-120"/>
                 <a:ea typeface="微軟正黑體" pitchFamily="34" charset="-120"/>
               </a:rPr>
-              <a:t>淋，水沖，風吹，撞著那房子，房子就倒塌了，並且倒塌得很大</a:t>
-            </a:r>
-            <a:r>
-              <a:rPr lang="zh-TW" altLang="en-US" sz="4800" b="1" dirty="0" smtClean="0">
-                <a:latin typeface="微軟正黑體" pitchFamily="34" charset="-120"/>
-                <a:ea typeface="微軟正黑體" pitchFamily="34" charset="-120"/>
-              </a:rPr>
-              <a:t>。</a:t>
-            </a:r>
-            <a:endParaRPr lang="en-US" altLang="zh-TW" sz="4800" b="1" dirty="0" smtClean="0">
-              <a:latin typeface="微軟正黑體" pitchFamily="34" charset="-120"/>
-              <a:ea typeface="微軟正黑體" pitchFamily="34" charset="-120"/>
-            </a:endParaRPr>
-          </a:p>
-          <a:p>
-            <a:r>
-              <a:rPr lang="zh-TW" altLang="en-US" sz="4800" dirty="0">
-                <a:latin typeface="微軟正黑體" pitchFamily="34" charset="-120"/>
-                <a:ea typeface="微軟正黑體" pitchFamily="34" charset="-120"/>
-              </a:rPr>
-              <a:t>只是你們要行道，不要單單聽道，自己欺哄自己。</a:t>
-            </a:r>
-            <a:r>
-              <a:rPr lang="en-US" altLang="zh-TW" sz="4800" dirty="0">
+              <a:t>淋，水沖，風吹，撞著那房子，房子總不倒塌，因為根基立在磐石上。</a:t>
+            </a:r>
+            <a:r>
+              <a:rPr lang="en-US" altLang="zh-TW" sz="6000" b="1" dirty="0" smtClean="0">
+                <a:solidFill>
+                  <a:srgbClr val="660033"/>
+                </a:solidFill>
                 <a:latin typeface="微軟正黑體" pitchFamily="34" charset="-120"/>
                 <a:ea typeface="微軟正黑體" pitchFamily="34" charset="-120"/>
               </a:rPr>
               <a:t> </a:t>
             </a:r>
-            <a:endParaRPr lang="en-US" altLang="zh-TW" sz="4800" dirty="0" smtClean="0">
-              <a:latin typeface="微軟正黑體" pitchFamily="34" charset="-120"/>
-              <a:ea typeface="微軟正黑體" pitchFamily="34" charset="-120"/>
-            </a:endParaRPr>
-          </a:p>
-          <a:p>
-            <a:r>
-              <a:rPr lang="zh-TW" altLang="en-US" sz="4800" b="1" dirty="0">
+          </a:p>
+          <a:p>
+            <a:r>
+              <a:rPr lang="zh-TW" altLang="en-US" sz="4800" dirty="0">
+                <a:solidFill>
+                  <a:srgbClr val="660033"/>
+                </a:solidFill>
                 <a:latin typeface="微軟正黑體" pitchFamily="34" charset="-120"/>
                 <a:ea typeface="微軟正黑體" pitchFamily="34" charset="-120"/>
               </a:rPr>
-              <a:t>因為聽道而不行道的，就像人對著鏡子看自己本來的面目</a:t>
-            </a:r>
-            <a:r>
-              <a:rPr lang="zh-TW" altLang="en-US" sz="4800" b="1" dirty="0" smtClean="0">
+              <a:t>凡聽見我這話不去行的，好比一個無知的人，把房子蓋在沙土上；</a:t>
+            </a:r>
+            <a:r>
+              <a:rPr lang="en-US" altLang="zh-TW" sz="4800" dirty="0">
+                <a:solidFill>
+                  <a:srgbClr val="660033"/>
+                </a:solidFill>
                 <a:latin typeface="微軟正黑體" pitchFamily="34" charset="-120"/>
                 <a:ea typeface="微軟正黑體" pitchFamily="34" charset="-120"/>
               </a:rPr>
-              <a:t>，</a:t>
-            </a:r>
-            <a:endParaRPr lang="en-US" altLang="zh-TW" sz="4800" dirty="0">
-              <a:latin typeface="微軟正黑體" pitchFamily="34" charset="-120"/>
-              <a:ea typeface="微軟正黑體" pitchFamily="34" charset="-120"/>
-            </a:endParaRPr>
+              <a:t> </a:t>
+            </a:r>
           </a:p>
         </p:txBody>
       </p:sp>
     </p:spTree>
+    <p:extLst>
+      <p:ext uri="{BB962C8B-B14F-4D97-AF65-F5344CB8AC3E}">
+        <p14:creationId xmlns:p14="http://schemas.microsoft.com/office/powerpoint/2010/main" val="3799865963"/>
+      </p:ext>
+    </p:extLst>
   </p:cSld>
   <p:clrMapOvr>
     <a:masterClrMapping/>
@@ -3757,17 +3789,170 @@
         <p:spPr>
           <a:xfrm>
             <a:off x="0" y="0"/>
-            <a:ext cx="9144000" cy="5257800"/>
+            <a:ext cx="8748464" cy="5143500"/>
           </a:xfrm>
         </p:spPr>
         <p:txBody>
           <a:bodyPr>
-            <a:normAutofit/>
+            <a:normAutofit lnSpcReduction="10000"/>
           </a:bodyPr>
           <a:lstStyle/>
           <a:p>
             <a:r>
+              <a:rPr lang="zh-TW" altLang="en-US" sz="4800" b="1" dirty="0" smtClean="0">
+                <a:solidFill>
+                  <a:srgbClr val="660033"/>
+                </a:solidFill>
+                <a:latin typeface="微軟正黑體" pitchFamily="34" charset="-120"/>
+                <a:ea typeface="微軟正黑體" pitchFamily="34" charset="-120"/>
+              </a:rPr>
+              <a:t>雨</a:t>
+            </a:r>
+            <a:r>
+              <a:rPr lang="zh-TW" altLang="en-US" sz="4800" b="1" dirty="0">
+                <a:solidFill>
+                  <a:srgbClr val="660033"/>
+                </a:solidFill>
+                <a:latin typeface="微軟正黑體" pitchFamily="34" charset="-120"/>
+                <a:ea typeface="微軟正黑體" pitchFamily="34" charset="-120"/>
+              </a:rPr>
+              <a:t>淋，水沖，風吹，撞著那房子，房子就倒塌了，並且倒塌得很大</a:t>
+            </a:r>
+            <a:r>
+              <a:rPr lang="zh-TW" altLang="en-US" sz="4800" b="1" dirty="0" smtClean="0">
+                <a:solidFill>
+                  <a:srgbClr val="660033"/>
+                </a:solidFill>
+                <a:latin typeface="微軟正黑體" pitchFamily="34" charset="-120"/>
+                <a:ea typeface="微軟正黑體" pitchFamily="34" charset="-120"/>
+              </a:rPr>
+              <a:t>。</a:t>
+            </a:r>
+            <a:endParaRPr lang="en-US" altLang="zh-TW" sz="4800" b="1" dirty="0" smtClean="0">
+              <a:solidFill>
+                <a:srgbClr val="660033"/>
+              </a:solidFill>
+              <a:latin typeface="微軟正黑體" pitchFamily="34" charset="-120"/>
+              <a:ea typeface="微軟正黑體" pitchFamily="34" charset="-120"/>
+            </a:endParaRPr>
+          </a:p>
+          <a:p>
+            <a:r>
+              <a:rPr lang="zh-TW" altLang="en-US" sz="4800" dirty="0">
+                <a:solidFill>
+                  <a:srgbClr val="660033"/>
+                </a:solidFill>
+                <a:latin typeface="微軟正黑體" pitchFamily="34" charset="-120"/>
+                <a:ea typeface="微軟正黑體" pitchFamily="34" charset="-120"/>
+              </a:rPr>
+              <a:t>只是你們要行道，不要單單聽道，自己欺哄自己。</a:t>
+            </a:r>
+            <a:r>
+              <a:rPr lang="en-US" altLang="zh-TW" sz="4800" dirty="0">
+                <a:solidFill>
+                  <a:srgbClr val="660033"/>
+                </a:solidFill>
+                <a:latin typeface="微軟正黑體" pitchFamily="34" charset="-120"/>
+                <a:ea typeface="微軟正黑體" pitchFamily="34" charset="-120"/>
+              </a:rPr>
+              <a:t> </a:t>
+            </a:r>
+            <a:endParaRPr lang="en-US" altLang="zh-TW" sz="4800" dirty="0" smtClean="0">
+              <a:solidFill>
+                <a:srgbClr val="660033"/>
+              </a:solidFill>
+              <a:latin typeface="微軟正黑體" pitchFamily="34" charset="-120"/>
+              <a:ea typeface="微軟正黑體" pitchFamily="34" charset="-120"/>
+            </a:endParaRPr>
+          </a:p>
+          <a:p>
+            <a:r>
+              <a:rPr lang="zh-TW" altLang="en-US" sz="4800" b="1" dirty="0">
+                <a:solidFill>
+                  <a:srgbClr val="660033"/>
+                </a:solidFill>
+                <a:latin typeface="微軟正黑體" pitchFamily="34" charset="-120"/>
+                <a:ea typeface="微軟正黑體" pitchFamily="34" charset="-120"/>
+              </a:rPr>
+              <a:t>因為聽道而不行道的，就像人對著鏡子看自己本來的面目</a:t>
+            </a:r>
+            <a:r>
+              <a:rPr lang="zh-TW" altLang="en-US" sz="4800" b="1" dirty="0" smtClean="0">
+                <a:solidFill>
+                  <a:srgbClr val="660033"/>
+                </a:solidFill>
+                <a:latin typeface="微軟正黑體" pitchFamily="34" charset="-120"/>
+                <a:ea typeface="微軟正黑體" pitchFamily="34" charset="-120"/>
+              </a:rPr>
+              <a:t>，</a:t>
+            </a:r>
+            <a:endParaRPr lang="en-US" altLang="zh-TW" sz="4800" dirty="0">
+              <a:solidFill>
+                <a:srgbClr val="660033"/>
+              </a:solidFill>
+              <a:latin typeface="微軟正黑體" pitchFamily="34" charset="-120"/>
+              <a:ea typeface="微軟正黑體" pitchFamily="34" charset="-120"/>
+            </a:endParaRPr>
+          </a:p>
+        </p:txBody>
+      </p:sp>
+    </p:spTree>
+    <p:extLst>
+      <p:ext uri="{BB962C8B-B14F-4D97-AF65-F5344CB8AC3E}">
+        <p14:creationId xmlns:p14="http://schemas.microsoft.com/office/powerpoint/2010/main" val="2523288244"/>
+      </p:ext>
+    </p:extLst>
+  </p:cSld>
+  <p:clrMapOvr>
+    <a:masterClrMapping/>
+  </p:clrMapOvr>
+</p:sld>
+</file>
+
+<file path=ppt/slides/slide7.xml><?xml version="1.0" encoding="utf-8"?>
+<p:sld xmlns:a="http://schemas.openxmlformats.org/drawingml/2006/main" xmlns:r="http://schemas.openxmlformats.org/officeDocument/2006/relationships" xmlns:p="http://schemas.openxmlformats.org/presentationml/2006/main">
+  <p:cSld>
+    <p:spTree>
+      <p:nvGrpSpPr>
+        <p:cNvPr id="1" name=""/>
+        <p:cNvGrpSpPr/>
+        <p:nvPr/>
+      </p:nvGrpSpPr>
+      <p:grpSpPr>
+        <a:xfrm>
+          <a:off x="0" y="0"/>
+          <a:ext cx="0" cy="0"/>
+          <a:chOff x="0" y="0"/>
+          <a:chExt cx="0" cy="0"/>
+        </a:xfrm>
+      </p:grpSpPr>
+      <p:sp>
+        <p:nvSpPr>
+          <p:cNvPr id="3" name="Content Placeholder 2"/>
+          <p:cNvSpPr>
+            <a:spLocks noGrp="1"/>
+          </p:cNvSpPr>
+          <p:nvPr>
+            <p:ph idx="1"/>
+          </p:nvPr>
+        </p:nvSpPr>
+        <p:spPr>
+          <a:xfrm>
+            <a:off x="0" y="0"/>
+            <a:ext cx="8820472" cy="5143500"/>
+          </a:xfrm>
+        </p:spPr>
+        <p:txBody>
+          <a:bodyPr>
+            <a:normAutofit lnSpcReduction="10000"/>
+          </a:bodyPr>
+          <a:lstStyle/>
+          <a:p>
+            <a:r>
               <a:rPr lang="zh-TW" altLang="en-US" sz="4800" dirty="0" smtClean="0">
+                <a:solidFill>
+                  <a:srgbClr val="660033"/>
+                </a:solidFill>
                 <a:latin typeface="微軟正黑體" pitchFamily="34" charset="-120"/>
                 <a:ea typeface="微軟正黑體" pitchFamily="34" charset="-120"/>
               </a:rPr>
@@ -3775,6 +3960,9 @@
             </a:r>
             <a:r>
               <a:rPr lang="zh-TW" altLang="en-US" sz="4800" dirty="0">
+                <a:solidFill>
+                  <a:srgbClr val="660033"/>
+                </a:solidFill>
                 <a:latin typeface="微軟正黑體" pitchFamily="34" charset="-120"/>
                 <a:ea typeface="微軟正黑體" pitchFamily="34" charset="-120"/>
               </a:rPr>
@@ -3782,12 +3970,18 @@
             </a:r>
             <a:r>
               <a:rPr lang="zh-TW" altLang="en-US" sz="4800" dirty="0" smtClean="0">
+                <a:solidFill>
+                  <a:srgbClr val="660033"/>
+                </a:solidFill>
                 <a:latin typeface="微軟正黑體" pitchFamily="34" charset="-120"/>
                 <a:ea typeface="微軟正黑體" pitchFamily="34" charset="-120"/>
               </a:rPr>
               <a:t>。</a:t>
             </a:r>
             <a:endParaRPr lang="en-US" altLang="zh-TW" sz="4800" dirty="0" smtClean="0">
+              <a:solidFill>
+                <a:srgbClr val="660033"/>
+              </a:solidFill>
               <a:latin typeface="微軟正黑體" pitchFamily="34" charset="-120"/>
               <a:ea typeface="微軟正黑體" pitchFamily="34" charset="-120"/>
             </a:endParaRPr>
@@ -3795,25 +3989,40 @@
           <a:p>
             <a:r>
               <a:rPr lang="zh-TW" altLang="en-US" sz="4800" b="1" dirty="0">
+                <a:solidFill>
+                  <a:srgbClr val="660033"/>
+                </a:solidFill>
                 <a:latin typeface="微軟正黑體" pitchFamily="34" charset="-120"/>
                 <a:ea typeface="微軟正黑體" pitchFamily="34" charset="-120"/>
               </a:rPr>
-              <a:t>惟有詳細察看那全備，使人自由之律法的，並且時常如此，這人既不是聽了就忘，乃是實在行出來，就在他所行的事上必然得福。</a:t>
+              <a:t>惟有詳細察看那全備，使人自由之律法的，並且時常如此，這人既不是聽了就忘，乃是實在行出來，就在他所行的事上必然得福</a:t>
+            </a:r>
+            <a:r>
+              <a:rPr lang="zh-TW" altLang="en-US" sz="4800" b="1" dirty="0" smtClean="0">
+                <a:solidFill>
+                  <a:srgbClr val="660033"/>
+                </a:solidFill>
+                <a:latin typeface="微軟正黑體" pitchFamily="34" charset="-120"/>
+                <a:ea typeface="微軟正黑體" pitchFamily="34" charset="-120"/>
+              </a:rPr>
+              <a:t>。</a:t>
             </a:r>
             <a:endParaRPr lang="en-US" altLang="zh-TW" sz="4800" b="1" dirty="0">
+              <a:solidFill>
+                <a:srgbClr val="660033"/>
+              </a:solidFill>
               <a:latin typeface="微軟正黑體" pitchFamily="34" charset="-120"/>
               <a:ea typeface="微軟正黑體" pitchFamily="34" charset="-120"/>
             </a:endParaRPr>
           </a:p>
-          <a:p>
-            <a:endParaRPr lang="en-US" altLang="zh-TW" sz="5200" dirty="0">
-              <a:latin typeface="微軟正黑體" pitchFamily="34" charset="-120"/>
-              <a:ea typeface="微軟正黑體" pitchFamily="34" charset="-120"/>
-            </a:endParaRPr>
-          </a:p>
         </p:txBody>
       </p:sp>
     </p:spTree>
+    <p:extLst>
+      <p:ext uri="{BB962C8B-B14F-4D97-AF65-F5344CB8AC3E}">
+        <p14:creationId xmlns:p14="http://schemas.microsoft.com/office/powerpoint/2010/main" val="291437588"/>
+      </p:ext>
+    </p:extLst>
   </p:cSld>
   <p:clrMapOvr>
     <a:masterClrMapping/>

--- a/46遵行主話.pptx
+++ b/46遵行主話.pptx
@@ -311,7 +311,7 @@
             <a:fld id="{86B5546F-C09B-4E63-ABC5-F7C86A7E8D66}" type="datetimeFigureOut">
               <a:rPr lang="en-US" smtClean="0"/>
               <a:pPr/>
-              <a:t>2/1/2020</a:t>
+              <a:t>7/25/2020</a:t>
             </a:fld>
             <a:endParaRPr lang="en-US"/>
           </a:p>
@@ -478,7 +478,7 @@
             <a:fld id="{86B5546F-C09B-4E63-ABC5-F7C86A7E8D66}" type="datetimeFigureOut">
               <a:rPr lang="en-US" smtClean="0"/>
               <a:pPr/>
-              <a:t>2/1/2020</a:t>
+              <a:t>7/25/2020</a:t>
             </a:fld>
             <a:endParaRPr lang="en-US"/>
           </a:p>
@@ -655,7 +655,7 @@
             <a:fld id="{86B5546F-C09B-4E63-ABC5-F7C86A7E8D66}" type="datetimeFigureOut">
               <a:rPr lang="en-US" smtClean="0"/>
               <a:pPr/>
-              <a:t>2/1/2020</a:t>
+              <a:t>7/25/2020</a:t>
             </a:fld>
             <a:endParaRPr lang="en-US"/>
           </a:p>
@@ -822,7 +822,7 @@
             <a:fld id="{86B5546F-C09B-4E63-ABC5-F7C86A7E8D66}" type="datetimeFigureOut">
               <a:rPr lang="en-US" smtClean="0"/>
               <a:pPr/>
-              <a:t>2/1/2020</a:t>
+              <a:t>7/25/2020</a:t>
             </a:fld>
             <a:endParaRPr lang="en-US"/>
           </a:p>
@@ -1065,7 +1065,7 @@
             <a:fld id="{86B5546F-C09B-4E63-ABC5-F7C86A7E8D66}" type="datetimeFigureOut">
               <a:rPr lang="en-US" smtClean="0"/>
               <a:pPr/>
-              <a:t>2/1/2020</a:t>
+              <a:t>7/25/2020</a:t>
             </a:fld>
             <a:endParaRPr lang="en-US"/>
           </a:p>
@@ -1350,7 +1350,7 @@
             <a:fld id="{86B5546F-C09B-4E63-ABC5-F7C86A7E8D66}" type="datetimeFigureOut">
               <a:rPr lang="en-US" smtClean="0"/>
               <a:pPr/>
-              <a:t>2/1/2020</a:t>
+              <a:t>7/25/2020</a:t>
             </a:fld>
             <a:endParaRPr lang="en-US"/>
           </a:p>
@@ -1769,7 +1769,7 @@
             <a:fld id="{86B5546F-C09B-4E63-ABC5-F7C86A7E8D66}" type="datetimeFigureOut">
               <a:rPr lang="en-US" smtClean="0"/>
               <a:pPr/>
-              <a:t>2/1/2020</a:t>
+              <a:t>7/25/2020</a:t>
             </a:fld>
             <a:endParaRPr lang="en-US"/>
           </a:p>
@@ -1884,7 +1884,7 @@
             <a:fld id="{86B5546F-C09B-4E63-ABC5-F7C86A7E8D66}" type="datetimeFigureOut">
               <a:rPr lang="en-US" smtClean="0"/>
               <a:pPr/>
-              <a:t>2/1/2020</a:t>
+              <a:t>7/25/2020</a:t>
             </a:fld>
             <a:endParaRPr lang="en-US"/>
           </a:p>
@@ -1976,7 +1976,7 @@
             <a:fld id="{86B5546F-C09B-4E63-ABC5-F7C86A7E8D66}" type="datetimeFigureOut">
               <a:rPr lang="en-US" smtClean="0"/>
               <a:pPr/>
-              <a:t>2/1/2020</a:t>
+              <a:t>7/25/2020</a:t>
             </a:fld>
             <a:endParaRPr lang="en-US"/>
           </a:p>
@@ -2250,7 +2250,7 @@
             <a:fld id="{86B5546F-C09B-4E63-ABC5-F7C86A7E8D66}" type="datetimeFigureOut">
               <a:rPr lang="en-US" smtClean="0"/>
               <a:pPr/>
-              <a:t>2/1/2020</a:t>
+              <a:t>7/25/2020</a:t>
             </a:fld>
             <a:endParaRPr lang="en-US"/>
           </a:p>
@@ -2504,7 +2504,7 @@
             <a:fld id="{86B5546F-C09B-4E63-ABC5-F7C86A7E8D66}" type="datetimeFigureOut">
               <a:rPr lang="en-US" smtClean="0"/>
               <a:pPr/>
-              <a:t>2/1/2020</a:t>
+              <a:t>7/25/2020</a:t>
             </a:fld>
             <a:endParaRPr lang="en-US"/>
           </a:p>
@@ -2719,7 +2719,7 @@
             <a:fld id="{86B5546F-C09B-4E63-ABC5-F7C86A7E8D66}" type="datetimeFigureOut">
               <a:rPr lang="en-US" smtClean="0"/>
               <a:pPr/>
-              <a:t>2/1/2020</a:t>
+              <a:t>7/25/2020</a:t>
             </a:fld>
             <a:endParaRPr lang="en-US"/>
           </a:p>
@@ -3399,7 +3399,7 @@
           </a:xfrm>
         </p:spPr>
         <p:txBody>
-          <a:bodyPr>
+          <a:bodyPr anchor="ctr">
             <a:normAutofit/>
           </a:bodyPr>
           <a:lstStyle/>
@@ -3483,7 +3483,7 @@
           </a:xfrm>
         </p:spPr>
         <p:txBody>
-          <a:bodyPr>
+          <a:bodyPr anchor="ctr">
             <a:normAutofit/>
           </a:bodyPr>
           <a:lstStyle/>
@@ -3565,7 +3565,7 @@
           </a:xfrm>
         </p:spPr>
         <p:txBody>
-          <a:bodyPr>
+          <a:bodyPr anchor="ctr">
             <a:noAutofit/>
           </a:bodyPr>
           <a:lstStyle/>
@@ -3686,7 +3686,7 @@
           </a:xfrm>
         </p:spPr>
         <p:txBody>
-          <a:bodyPr>
+          <a:bodyPr anchor="ctr">
             <a:normAutofit/>
           </a:bodyPr>
           <a:lstStyle/>
@@ -3793,7 +3793,7 @@
           </a:xfrm>
         </p:spPr>
         <p:txBody>
-          <a:bodyPr>
+          <a:bodyPr anchor="ctr">
             <a:normAutofit lnSpcReduction="10000"/>
           </a:bodyPr>
           <a:lstStyle/>
@@ -3943,7 +3943,7 @@
           </a:xfrm>
         </p:spPr>
         <p:txBody>
-          <a:bodyPr>
+          <a:bodyPr anchor="ctr">
             <a:normAutofit lnSpcReduction="10000"/>
           </a:bodyPr>
           <a:lstStyle/>

--- a/46遵行主話.pptx
+++ b/46遵行主話.pptx
@@ -11,7 +11,8 @@
     <p:sldId id="259" r:id="rId5"/>
     <p:sldId id="260" r:id="rId6"/>
     <p:sldId id="261" r:id="rId7"/>
-    <p:sldId id="262" r:id="rId8"/>
+    <p:sldId id="263" r:id="rId8"/>
+    <p:sldId id="262" r:id="rId9"/>
   </p:sldIdLst>
   <p:sldSz cx="9144000" cy="5143500" type="screen16x9"/>
   <p:notesSz cx="6858000" cy="9144000"/>
@@ -311,7 +312,7 @@
             <a:fld id="{86B5546F-C09B-4E63-ABC5-F7C86A7E8D66}" type="datetimeFigureOut">
               <a:rPr lang="en-US" smtClean="0"/>
               <a:pPr/>
-              <a:t>7/25/2020</a:t>
+              <a:t>4/27/2023</a:t>
             </a:fld>
             <a:endParaRPr lang="en-US"/>
           </a:p>
@@ -478,7 +479,7 @@
             <a:fld id="{86B5546F-C09B-4E63-ABC5-F7C86A7E8D66}" type="datetimeFigureOut">
               <a:rPr lang="en-US" smtClean="0"/>
               <a:pPr/>
-              <a:t>7/25/2020</a:t>
+              <a:t>4/27/2023</a:t>
             </a:fld>
             <a:endParaRPr lang="en-US"/>
           </a:p>
@@ -655,7 +656,7 @@
             <a:fld id="{86B5546F-C09B-4E63-ABC5-F7C86A7E8D66}" type="datetimeFigureOut">
               <a:rPr lang="en-US" smtClean="0"/>
               <a:pPr/>
-              <a:t>7/25/2020</a:t>
+              <a:t>4/27/2023</a:t>
             </a:fld>
             <a:endParaRPr lang="en-US"/>
           </a:p>
@@ -822,7 +823,7 @@
             <a:fld id="{86B5546F-C09B-4E63-ABC5-F7C86A7E8D66}" type="datetimeFigureOut">
               <a:rPr lang="en-US" smtClean="0"/>
               <a:pPr/>
-              <a:t>7/25/2020</a:t>
+              <a:t>4/27/2023</a:t>
             </a:fld>
             <a:endParaRPr lang="en-US"/>
           </a:p>
@@ -1065,7 +1066,7 @@
             <a:fld id="{86B5546F-C09B-4E63-ABC5-F7C86A7E8D66}" type="datetimeFigureOut">
               <a:rPr lang="en-US" smtClean="0"/>
               <a:pPr/>
-              <a:t>7/25/2020</a:t>
+              <a:t>4/27/2023</a:t>
             </a:fld>
             <a:endParaRPr lang="en-US"/>
           </a:p>
@@ -1350,7 +1351,7 @@
             <a:fld id="{86B5546F-C09B-4E63-ABC5-F7C86A7E8D66}" type="datetimeFigureOut">
               <a:rPr lang="en-US" smtClean="0"/>
               <a:pPr/>
-              <a:t>7/25/2020</a:t>
+              <a:t>4/27/2023</a:t>
             </a:fld>
             <a:endParaRPr lang="en-US"/>
           </a:p>
@@ -1769,7 +1770,7 @@
             <a:fld id="{86B5546F-C09B-4E63-ABC5-F7C86A7E8D66}" type="datetimeFigureOut">
               <a:rPr lang="en-US" smtClean="0"/>
               <a:pPr/>
-              <a:t>7/25/2020</a:t>
+              <a:t>4/27/2023</a:t>
             </a:fld>
             <a:endParaRPr lang="en-US"/>
           </a:p>
@@ -1884,7 +1885,7 @@
             <a:fld id="{86B5546F-C09B-4E63-ABC5-F7C86A7E8D66}" type="datetimeFigureOut">
               <a:rPr lang="en-US" smtClean="0"/>
               <a:pPr/>
-              <a:t>7/25/2020</a:t>
+              <a:t>4/27/2023</a:t>
             </a:fld>
             <a:endParaRPr lang="en-US"/>
           </a:p>
@@ -1976,7 +1977,7 @@
             <a:fld id="{86B5546F-C09B-4E63-ABC5-F7C86A7E8D66}" type="datetimeFigureOut">
               <a:rPr lang="en-US" smtClean="0"/>
               <a:pPr/>
-              <a:t>7/25/2020</a:t>
+              <a:t>4/27/2023</a:t>
             </a:fld>
             <a:endParaRPr lang="en-US"/>
           </a:p>
@@ -2250,7 +2251,7 @@
             <a:fld id="{86B5546F-C09B-4E63-ABC5-F7C86A7E8D66}" type="datetimeFigureOut">
               <a:rPr lang="en-US" smtClean="0"/>
               <a:pPr/>
-              <a:t>7/25/2020</a:t>
+              <a:t>4/27/2023</a:t>
             </a:fld>
             <a:endParaRPr lang="en-US"/>
           </a:p>
@@ -2504,7 +2505,7 @@
             <a:fld id="{86B5546F-C09B-4E63-ABC5-F7C86A7E8D66}" type="datetimeFigureOut">
               <a:rPr lang="en-US" smtClean="0"/>
               <a:pPr/>
-              <a:t>7/25/2020</a:t>
+              <a:t>4/27/2023</a:t>
             </a:fld>
             <a:endParaRPr lang="en-US"/>
           </a:p>
@@ -2719,7 +2720,7 @@
             <a:fld id="{86B5546F-C09B-4E63-ABC5-F7C86A7E8D66}" type="datetimeFigureOut">
               <a:rPr lang="en-US" smtClean="0"/>
               <a:pPr/>
-              <a:t>7/25/2020</a:t>
+              <a:t>4/27/2023</a:t>
             </a:fld>
             <a:endParaRPr lang="en-US"/>
           </a:p>
@@ -3794,7 +3795,7 @@
         </p:spPr>
         <p:txBody>
           <a:bodyPr anchor="ctr">
-            <a:normAutofit lnSpcReduction="10000"/>
+            <a:normAutofit/>
           </a:bodyPr>
           <a:lstStyle/>
           <a:p>
@@ -3845,46 +3846,17 @@
                 <a:latin typeface="微軟正黑體" pitchFamily="34" charset="-120"/>
                 <a:ea typeface="微軟正黑體" pitchFamily="34" charset="-120"/>
               </a:rPr>
-              <a:t>只是你們要行道，不要單單聽道，自己欺哄自己。</a:t>
-            </a:r>
-            <a:r>
-              <a:rPr lang="en-US" altLang="zh-TW" sz="4800" dirty="0">
+              <a:t>只是你們要行道，不要單單聽道，自己欺哄自己</a:t>
+            </a:r>
+            <a:r>
+              <a:rPr lang="zh-TW" altLang="en-US" sz="4800" dirty="0" smtClean="0">
                 <a:solidFill>
                   <a:srgbClr val="660033"/>
                 </a:solidFill>
                 <a:latin typeface="微軟正黑體" pitchFamily="34" charset="-120"/>
                 <a:ea typeface="微軟正黑體" pitchFamily="34" charset="-120"/>
               </a:rPr>
-              <a:t> </a:t>
-            </a:r>
-            <a:endParaRPr lang="en-US" altLang="zh-TW" sz="4800" dirty="0" smtClean="0">
-              <a:solidFill>
-                <a:srgbClr val="660033"/>
-              </a:solidFill>
-              <a:latin typeface="微軟正黑體" pitchFamily="34" charset="-120"/>
-              <a:ea typeface="微軟正黑體" pitchFamily="34" charset="-120"/>
-            </a:endParaRPr>
-          </a:p>
-          <a:p>
-            <a:r>
-              <a:rPr lang="zh-TW" altLang="en-US" sz="4800" b="1" dirty="0">
-                <a:solidFill>
-                  <a:srgbClr val="660033"/>
-                </a:solidFill>
-                <a:latin typeface="微軟正黑體" pitchFamily="34" charset="-120"/>
-                <a:ea typeface="微軟正黑體" pitchFamily="34" charset="-120"/>
-              </a:rPr>
-              <a:t>因為聽道而不行道的，就像人對著鏡子看自己本來的面目</a:t>
-            </a:r>
-            <a:r>
-              <a:rPr lang="zh-TW" altLang="en-US" sz="4800" b="1" dirty="0" smtClean="0">
-                <a:solidFill>
-                  <a:srgbClr val="660033"/>
-                </a:solidFill>
-                <a:latin typeface="微軟正黑體" pitchFamily="34" charset="-120"/>
-                <a:ea typeface="微軟正黑體" pitchFamily="34" charset="-120"/>
-              </a:rPr>
-              <a:t>，</a:t>
+              <a:t>。</a:t>
             </a:r>
             <a:endParaRPr lang="en-US" altLang="zh-TW" sz="4800" dirty="0">
               <a:solidFill>
@@ -3939,46 +3911,46 @@
         <p:spPr>
           <a:xfrm>
             <a:off x="0" y="0"/>
-            <a:ext cx="8820472" cy="5143500"/>
+            <a:ext cx="8748464" cy="5143500"/>
           </a:xfrm>
         </p:spPr>
         <p:txBody>
           <a:bodyPr anchor="ctr">
-            <a:normAutofit lnSpcReduction="10000"/>
+            <a:normAutofit/>
           </a:bodyPr>
           <a:lstStyle/>
           <a:p>
             <a:r>
-              <a:rPr lang="zh-TW" altLang="en-US" sz="4800" dirty="0" smtClean="0">
+              <a:rPr lang="zh-TW" altLang="en-US" sz="4800" b="1" dirty="0" smtClean="0">
                 <a:solidFill>
                   <a:srgbClr val="660033"/>
                 </a:solidFill>
                 <a:latin typeface="微軟正黑體" pitchFamily="34" charset="-120"/>
                 <a:ea typeface="微軟正黑體" pitchFamily="34" charset="-120"/>
               </a:rPr>
-              <a:t>看</a:t>
-            </a:r>
-            <a:r>
-              <a:rPr lang="zh-TW" altLang="en-US" sz="4800" dirty="0">
+              <a:t>因</a:t>
+            </a:r>
+            <a:r>
+              <a:rPr lang="zh-TW" altLang="en-US" sz="4800" b="1" dirty="0">
                 <a:solidFill>
                   <a:srgbClr val="660033"/>
                 </a:solidFill>
                 <a:latin typeface="微軟正黑體" pitchFamily="34" charset="-120"/>
                 <a:ea typeface="微軟正黑體" pitchFamily="34" charset="-120"/>
               </a:rPr>
-              <a:t>見，走後，隨即忘了他的相貌如何</a:t>
-            </a:r>
-            <a:r>
-              <a:rPr lang="zh-TW" altLang="en-US" sz="4800" dirty="0" smtClean="0">
+              <a:t>為聽道而不行道的，就像人對著鏡子看自己本來的面目</a:t>
+            </a:r>
+            <a:r>
+              <a:rPr lang="zh-TW" altLang="en-US" sz="4800" b="1" dirty="0" smtClean="0">
                 <a:solidFill>
                   <a:srgbClr val="660033"/>
                 </a:solidFill>
                 <a:latin typeface="微軟正黑體" pitchFamily="34" charset="-120"/>
                 <a:ea typeface="微軟正黑體" pitchFamily="34" charset="-120"/>
               </a:rPr>
-              <a:t>。</a:t>
-            </a:r>
-            <a:endParaRPr lang="en-US" altLang="zh-TW" sz="4800" dirty="0" smtClean="0">
+              <a:t>，</a:t>
+            </a:r>
+            <a:endParaRPr lang="en-US" altLang="zh-TW" sz="4800" b="1" dirty="0" smtClean="0">
               <a:solidFill>
                 <a:srgbClr val="660033"/>
               </a:solidFill>
@@ -3988,6 +3960,98 @@
           </a:p>
           <a:p>
             <a:r>
+              <a:rPr lang="zh-TW" altLang="en-US" sz="4800" dirty="0">
+                <a:solidFill>
+                  <a:srgbClr val="660033"/>
+                </a:solidFill>
+                <a:latin typeface="微軟正黑體" pitchFamily="34" charset="-120"/>
+                <a:ea typeface="微軟正黑體" pitchFamily="34" charset="-120"/>
+              </a:rPr>
+              <a:t>看見，走後，隨即忘了他的相貌如何</a:t>
+            </a:r>
+            <a:r>
+              <a:rPr lang="zh-TW" altLang="en-US" sz="4800" dirty="0" smtClean="0">
+                <a:solidFill>
+                  <a:srgbClr val="660033"/>
+                </a:solidFill>
+                <a:latin typeface="微軟正黑體" pitchFamily="34" charset="-120"/>
+                <a:ea typeface="微軟正黑體" pitchFamily="34" charset="-120"/>
+              </a:rPr>
+              <a:t>。</a:t>
+            </a:r>
+            <a:endParaRPr lang="en-US" altLang="zh-TW" sz="4800" dirty="0">
+              <a:solidFill>
+                <a:srgbClr val="660033"/>
+              </a:solidFill>
+              <a:latin typeface="微軟正黑體" pitchFamily="34" charset="-120"/>
+              <a:ea typeface="微軟正黑體" pitchFamily="34" charset="-120"/>
+            </a:endParaRPr>
+          </a:p>
+        </p:txBody>
+      </p:sp>
+    </p:spTree>
+    <p:extLst>
+      <p:ext uri="{BB962C8B-B14F-4D97-AF65-F5344CB8AC3E}">
+        <p14:creationId xmlns:p14="http://schemas.microsoft.com/office/powerpoint/2010/main" val="3108290924"/>
+      </p:ext>
+    </p:extLst>
+  </p:cSld>
+  <p:clrMapOvr>
+    <a:masterClrMapping/>
+  </p:clrMapOvr>
+</p:sld>
+</file>
+
+<file path=ppt/slides/slide8.xml><?xml version="1.0" encoding="utf-8"?>
+<p:sld xmlns:a="http://schemas.openxmlformats.org/drawingml/2006/main" xmlns:r="http://schemas.openxmlformats.org/officeDocument/2006/relationships" xmlns:p="http://schemas.openxmlformats.org/presentationml/2006/main">
+  <p:cSld>
+    <p:spTree>
+      <p:nvGrpSpPr>
+        <p:cNvPr id="1" name=""/>
+        <p:cNvGrpSpPr/>
+        <p:nvPr/>
+      </p:nvGrpSpPr>
+      <p:grpSpPr>
+        <a:xfrm>
+          <a:off x="0" y="0"/>
+          <a:ext cx="0" cy="0"/>
+          <a:chOff x="0" y="0"/>
+          <a:chExt cx="0" cy="0"/>
+        </a:xfrm>
+      </p:grpSpPr>
+      <p:sp>
+        <p:nvSpPr>
+          <p:cNvPr id="3" name="Content Placeholder 2"/>
+          <p:cNvSpPr>
+            <a:spLocks noGrp="1"/>
+          </p:cNvSpPr>
+          <p:nvPr>
+            <p:ph idx="1"/>
+          </p:nvPr>
+        </p:nvSpPr>
+        <p:spPr>
+          <a:xfrm>
+            <a:off x="0" y="0"/>
+            <a:ext cx="8820472" cy="5143500"/>
+          </a:xfrm>
+        </p:spPr>
+        <p:txBody>
+          <a:bodyPr anchor="ctr">
+            <a:normAutofit/>
+          </a:bodyPr>
+          <a:lstStyle/>
+          <a:p>
+            <a:r>
+              <a:rPr lang="zh-TW" altLang="en-US" sz="4800" b="1" dirty="0" smtClean="0">
+                <a:solidFill>
+                  <a:srgbClr val="660033"/>
+                </a:solidFill>
+                <a:latin typeface="微軟正黑體" pitchFamily="34" charset="-120"/>
+                <a:ea typeface="微軟正黑體" pitchFamily="34" charset="-120"/>
+              </a:rPr>
+              <a:t>惟</a:t>
+            </a:r>
+            <a:r>
               <a:rPr lang="zh-TW" altLang="en-US" sz="4800" b="1" dirty="0">
                 <a:solidFill>
                   <a:srgbClr val="660033"/>
@@ -3995,7 +4059,7 @@
                 <a:latin typeface="微軟正黑體" pitchFamily="34" charset="-120"/>
                 <a:ea typeface="微軟正黑體" pitchFamily="34" charset="-120"/>
               </a:rPr>
-              <a:t>惟有詳細察看那全備，使人自由之律法的，並且時常如此，這人既不是聽了就忘，乃是實在行出來，就在他所行的事上必然得福</a:t>
+              <a:t>有詳細察看那全備，使人自由之律法的，並且時常如此，這人既不是聽了就忘，乃是實在行出來，就在他所行的事上必然得福</a:t>
             </a:r>
             <a:r>
               <a:rPr lang="zh-TW" altLang="en-US" sz="4800" b="1" dirty="0" smtClean="0">
